--- a/3.wednesday/math/signals/signals-presentation.pptx
+++ b/3.wednesday/math/signals/signals-presentation.pptx
@@ -6,15 +6,19 @@
     <p:sldMasterId id="2147483698" r:id="rId2"/>
   </p:sldMasterIdLst>
   <p:notesMasterIdLst>
-    <p:notesMasterId r:id="rId6"/>
+    <p:notesMasterId r:id="rId10"/>
   </p:notesMasterIdLst>
   <p:handoutMasterIdLst>
-    <p:handoutMasterId r:id="rId7"/>
+    <p:handoutMasterId r:id="rId11"/>
   </p:handoutMasterIdLst>
   <p:sldIdLst>
     <p:sldId id="265" r:id="rId3"/>
-    <p:sldId id="282" r:id="rId4"/>
-    <p:sldId id="298" r:id="rId5"/>
+    <p:sldId id="264" r:id="rId4"/>
+    <p:sldId id="299" r:id="rId5"/>
+    <p:sldId id="300" r:id="rId6"/>
+    <p:sldId id="301" r:id="rId7"/>
+    <p:sldId id="302" r:id="rId8"/>
+    <p:sldId id="303" r:id="rId9"/>
   </p:sldIdLst>
   <p:sldSz cx="9144000" cy="6858000" type="screen4x3"/>
   <p:notesSz cx="6858000" cy="9144000"/>
@@ -234,7 +238,7 @@
           <a:p>
             <a:fld id="{19412975-4CFD-C441-A244-B7FD9A9579C2}" type="datetimeFigureOut">
               <a:rPr lang="en-US" smtClean="0"/>
-              <a:t>11/19/17</a:t>
+              <a:t>11/23/17</a:t>
             </a:fld>
             <a:endParaRPr lang="en-US"/>
           </a:p>
@@ -400,7 +404,7 @@
           <a:p>
             <a:fld id="{6DAFD1C8-470D-774F-8B40-381C3059BD4A}" type="datetimeFigureOut">
               <a:rPr lang="en-US" smtClean="0"/>
-              <a:t>11/19/17</a:t>
+              <a:t>11/23/17</a:t>
             </a:fld>
             <a:endParaRPr lang="en-US"/>
           </a:p>
@@ -4562,7 +4566,7 @@
         <a:buSzPct val="100000"/>
         <a:buFontTx/>
         <a:buBlip>
-          <a:blip r:embed="rId9"/>
+          <a:blip r:embed="rId10"/>
         </a:buBlip>
         <a:defRPr sz="2000" kern="1200">
           <a:solidFill>
@@ -4864,8 +4868,8 @@
         </p:nvSpPr>
         <p:spPr>
           <a:xfrm>
-            <a:off x="620885" y="3537859"/>
-            <a:ext cx="7839635" cy="931745"/>
+            <a:off x="642657" y="3407231"/>
+            <a:ext cx="7839635" cy="1062373"/>
           </a:xfrm>
         </p:spPr>
         <p:txBody>
@@ -4894,8 +4898,8 @@
         </p:nvSpPr>
         <p:spPr>
           <a:xfrm>
-            <a:off x="2353235" y="5296916"/>
-            <a:ext cx="6790765" cy="701112"/>
+            <a:off x="2353235" y="5220716"/>
+            <a:ext cx="6790765" cy="744655"/>
           </a:xfrm>
         </p:spPr>
         <p:txBody>
@@ -4906,30 +4910,16 @@
           <a:p>
             <a:pPr algn="r"/>
             <a:r>
-              <a:rPr lang="ru-RU" sz="1800" dirty="0" smtClean="0"/>
-              <a:t>Магистрант </a:t>
-            </a:r>
-            <a:r>
               <a:rPr lang="ru-RU" sz="1800" dirty="0"/>
-              <a:t>–</a:t>
-            </a:r>
-            <a:r>
-              <a:rPr lang="ru-RU" sz="1800" dirty="0" smtClean="0"/>
-              <a:t> </a:t>
-            </a:r>
-            <a:r>
-              <a:rPr lang="ru-RU" sz="1800" dirty="0" smtClean="0"/>
-              <a:t>Кислюк Игорь Витальевич</a:t>
-            </a:r>
-            <a:endParaRPr lang="ru-RU" sz="1800" dirty="0"/>
+              <a:t>Магистрант – Кислюк Игорь Витальевич</a:t>
+            </a:r>
           </a:p>
           <a:p>
             <a:pPr algn="r"/>
             <a:r>
-              <a:rPr lang="ru-RU" sz="1800" dirty="0" smtClean="0"/>
+              <a:rPr lang="ru-RU" sz="1800" dirty="0"/>
               <a:t>группа К4120</a:t>
             </a:r>
-            <a:endParaRPr lang="ru-RU" sz="1800" dirty="0"/>
           </a:p>
         </p:txBody>
       </p:sp>
@@ -4987,108 +4977,13 @@
           <a:p>
             <a:r>
               <a:rPr lang="ru-RU" cap="all" dirty="0"/>
-              <a:t>Разработка библиотеки для реализации анимации представлений в рамках модели MVC</a:t>
-            </a:r>
-            <a:r>
-              <a:rPr lang="en-GB" dirty="0"/>
-              <a:t> </a:t>
+              <a:t>Первичные электрические сигналы и их </a:t>
+            </a:r>
+            <a:r>
+              <a:rPr lang="ru-RU" cap="all" dirty="0" smtClean="0"/>
+              <a:t>характеристики</a:t>
             </a:r>
             <a:endParaRPr lang="en-US" dirty="0"/>
-          </a:p>
-        </p:txBody>
-      </p:sp>
-      <p:sp>
-        <p:nvSpPr>
-          <p:cNvPr id="5" name="TextBox 4"/>
-          <p:cNvSpPr txBox="1"/>
-          <p:nvPr/>
-        </p:nvSpPr>
-        <p:spPr>
-          <a:xfrm>
-            <a:off x="886954" y="2427237"/>
-            <a:ext cx="6798360" cy="2308324"/>
-          </a:xfrm>
-          <a:prstGeom prst="rect">
-            <a:avLst/>
-          </a:prstGeom>
-          <a:noFill/>
-        </p:spPr>
-        <p:txBody>
-          <a:bodyPr wrap="square" rtlCol="0">
-            <a:spAutoFit/>
-          </a:bodyPr>
-          <a:lstStyle/>
-          <a:p>
-            <a:pPr marL="457200" indent="-457200">
-              <a:buFont typeface="Arial" charset="0"/>
-              <a:buChar char="•"/>
-            </a:pPr>
-            <a:r>
-              <a:rPr lang="ru-RU" sz="2400" dirty="0" smtClean="0">
-                <a:cs typeface="Times New Roman" panose="02020603050405020304" pitchFamily="18" charset="0"/>
-              </a:rPr>
-              <a:t>это физические носители сообщений;</a:t>
-            </a:r>
-          </a:p>
-          <a:p>
-            <a:pPr marL="457200" indent="-457200">
-              <a:buFont typeface="Arial" charset="0"/>
-              <a:buChar char="•"/>
-            </a:pPr>
-            <a:r>
-              <a:rPr lang="ru-RU" sz="2400" dirty="0" smtClean="0">
-                <a:cs typeface="Times New Roman" panose="02020603050405020304" pitchFamily="18" charset="0"/>
-              </a:rPr>
-              <a:t>примеры сигналов:</a:t>
-            </a:r>
-          </a:p>
-          <a:p>
-            <a:pPr marL="914400" lvl="1" indent="-457200">
-              <a:buFont typeface="Arial" charset="0"/>
-              <a:buChar char="•"/>
-            </a:pPr>
-            <a:r>
-              <a:rPr lang="ru-RU" sz="2400" dirty="0" smtClean="0">
-                <a:cs typeface="Times New Roman" panose="02020603050405020304" pitchFamily="18" charset="0"/>
-              </a:rPr>
-              <a:t>переменный электромагнитный ток;</a:t>
-            </a:r>
-          </a:p>
-          <a:p>
-            <a:pPr marL="914400" lvl="1" indent="-457200">
-              <a:buFont typeface="Arial" charset="0"/>
-              <a:buChar char="•"/>
-            </a:pPr>
-            <a:r>
-              <a:rPr lang="ru-RU" sz="2400" dirty="0" smtClean="0">
-                <a:cs typeface="Times New Roman" panose="02020603050405020304" pitchFamily="18" charset="0"/>
-              </a:rPr>
-              <a:t>электромагнитное поле;</a:t>
-            </a:r>
-          </a:p>
-          <a:p>
-            <a:pPr marL="914400" lvl="1" indent="-457200">
-              <a:buFont typeface="Arial" charset="0"/>
-              <a:buChar char="•"/>
-            </a:pPr>
-            <a:r>
-              <a:rPr lang="ru-RU" sz="2400" dirty="0" smtClean="0">
-                <a:cs typeface="Times New Roman" panose="02020603050405020304" pitchFamily="18" charset="0"/>
-              </a:rPr>
-              <a:t>световые волны.</a:t>
-            </a:r>
-            <a:endParaRPr lang="ru-RU" sz="2400" dirty="0">
-              <a:cs typeface="Times New Roman" panose="02020603050405020304" pitchFamily="18" charset="0"/>
-            </a:endParaRPr>
-          </a:p>
-          <a:p>
-            <a:pPr marL="342900" indent="-342900">
-              <a:buFont typeface="Arial" charset="0"/>
-              <a:buChar char="•"/>
-            </a:pPr>
-            <a:endParaRPr lang="ru-RU" sz="2400" dirty="0">
-              <a:cs typeface="Times New Roman" panose="02020603050405020304" pitchFamily="18" charset="0"/>
-            </a:endParaRPr>
           </a:p>
         </p:txBody>
       </p:sp>
@@ -5141,8 +5036,8 @@
         </p:nvSpPr>
         <p:spPr>
           <a:xfrm>
-            <a:off x="1597774" y="1462006"/>
-            <a:ext cx="6522970" cy="720000"/>
+            <a:off x="1393485" y="1124272"/>
+            <a:ext cx="6661830" cy="1302966"/>
           </a:xfrm>
           <a:prstGeom prst="rect">
             <a:avLst/>
@@ -5150,7 +5045,7 @@
         </p:spPr>
         <p:txBody>
           <a:bodyPr vert="horz" lIns="91440" tIns="45720" rIns="91440" bIns="45720" rtlCol="0" anchor="ctr">
-            <a:normAutofit fontScale="92500"/>
+            <a:normAutofit/>
           </a:bodyPr>
           <a:lstStyle>
             <a:lvl1pPr algn="l" defTabSz="914400" rtl="0" eaLnBrk="1" latinLnBrk="0" hangingPunct="1">
@@ -5174,12 +5069,12 @@
           <a:p>
             <a:pPr algn="ctr"/>
             <a:r>
-              <a:rPr lang="ru-RU" sz="3600" smtClean="0">
+              <a:rPr lang="ru-RU" sz="3600">
                 <a:solidFill>
                   <a:srgbClr val="0230AC"/>
                 </a:solidFill>
               </a:rPr>
-              <a:t>Первичные электрические сигналы</a:t>
+              <a:t>Первичные электрические сигналы и их характеристики </a:t>
             </a:r>
             <a:endParaRPr lang="en-US" sz="3600" dirty="0">
               <a:solidFill>
@@ -5213,20 +5108,111 @@
           <a:p>
             <a:r>
               <a:rPr lang="en-US" dirty="0" smtClean="0"/>
-              <a:t>#</a:t>
-            </a:r>
-            <a:r>
-              <a:rPr lang="en-US" dirty="0"/>
-              <a:t>2</a:t>
+              <a:t>#1</a:t>
             </a:r>
             <a:endParaRPr lang="ru-RU" dirty="0"/>
+          </a:p>
+        </p:txBody>
+      </p:sp>
+      <p:sp>
+        <p:nvSpPr>
+          <p:cNvPr id="7" name="TextBox 6"/>
+          <p:cNvSpPr txBox="1"/>
+          <p:nvPr/>
+        </p:nvSpPr>
+        <p:spPr>
+          <a:xfrm>
+            <a:off x="1172820" y="2427238"/>
+            <a:ext cx="6798360" cy="2308324"/>
+          </a:xfrm>
+          <a:prstGeom prst="rect">
+            <a:avLst/>
+          </a:prstGeom>
+          <a:noFill/>
+        </p:spPr>
+        <p:txBody>
+          <a:bodyPr wrap="square" rtlCol="0">
+            <a:spAutoFit/>
+          </a:bodyPr>
+          <a:lstStyle/>
+          <a:p>
+            <a:pPr marL="457200" indent="-457200">
+              <a:buFont typeface="Arial" charset="0"/>
+              <a:buChar char="•"/>
+            </a:pPr>
+            <a:r>
+              <a:rPr lang="ru-RU" sz="2400" dirty="0" smtClean="0">
+                <a:cs typeface="Times New Roman" panose="02020603050405020304" pitchFamily="18" charset="0"/>
+              </a:rPr>
+              <a:t>это физические носители сообщений;</a:t>
+            </a:r>
+          </a:p>
+          <a:p>
+            <a:pPr marL="457200" indent="-457200">
+              <a:buFont typeface="Arial" charset="0"/>
+              <a:buChar char="•"/>
+            </a:pPr>
+            <a:r>
+              <a:rPr lang="ru-RU" sz="2400" dirty="0" smtClean="0">
+                <a:cs typeface="Times New Roman" panose="02020603050405020304" pitchFamily="18" charset="0"/>
+              </a:rPr>
+              <a:t>примеры сигналов:</a:t>
+            </a:r>
+          </a:p>
+          <a:p>
+            <a:pPr marL="914400" lvl="1" indent="-457200">
+              <a:buFont typeface="Arial" charset="0"/>
+              <a:buChar char="•"/>
+            </a:pPr>
+            <a:r>
+              <a:rPr lang="ru-RU" sz="2400" dirty="0" smtClean="0">
+                <a:cs typeface="Times New Roman" panose="02020603050405020304" pitchFamily="18" charset="0"/>
+              </a:rPr>
+              <a:t>переменный электромагнитный ток;</a:t>
+            </a:r>
+          </a:p>
+          <a:p>
+            <a:pPr marL="914400" lvl="1" indent="-457200">
+              <a:buFont typeface="Arial" charset="0"/>
+              <a:buChar char="•"/>
+            </a:pPr>
+            <a:r>
+              <a:rPr lang="ru-RU" sz="2400" dirty="0" smtClean="0">
+                <a:cs typeface="Times New Roman" panose="02020603050405020304" pitchFamily="18" charset="0"/>
+              </a:rPr>
+              <a:t>электромагнитное поле;</a:t>
+            </a:r>
+          </a:p>
+          <a:p>
+            <a:pPr marL="914400" lvl="1" indent="-457200">
+              <a:buFont typeface="Arial" charset="0"/>
+              <a:buChar char="•"/>
+            </a:pPr>
+            <a:r>
+              <a:rPr lang="ru-RU" sz="2400" dirty="0" smtClean="0">
+                <a:cs typeface="Times New Roman" panose="02020603050405020304" pitchFamily="18" charset="0"/>
+              </a:rPr>
+              <a:t>световые волны.</a:t>
+            </a:r>
+            <a:endParaRPr lang="ru-RU" sz="2400" dirty="0">
+              <a:cs typeface="Times New Roman" panose="02020603050405020304" pitchFamily="18" charset="0"/>
+            </a:endParaRPr>
+          </a:p>
+          <a:p>
+            <a:pPr marL="342900" indent="-342900">
+              <a:buFont typeface="Arial" charset="0"/>
+              <a:buChar char="•"/>
+            </a:pPr>
+            <a:endParaRPr lang="ru-RU" sz="2400" dirty="0">
+              <a:cs typeface="Times New Roman" panose="02020603050405020304" pitchFamily="18" charset="0"/>
+            </a:endParaRPr>
           </a:p>
         </p:txBody>
       </p:sp>
     </p:spTree>
     <p:extLst>
       <p:ext uri="{BB962C8B-B14F-4D97-AF65-F5344CB8AC3E}">
-        <p14:creationId xmlns:p14="http://schemas.microsoft.com/office/powerpoint/2010/main" val="1518997986"/>
+        <p14:creationId xmlns:p14="http://schemas.microsoft.com/office/powerpoint/2010/main" val="1803256121"/>
       </p:ext>
     </p:extLst>
   </p:cSld>
@@ -5277,13 +5263,81 @@
           <a:p>
             <a:r>
               <a:rPr lang="ru-RU" cap="all" dirty="0"/>
-              <a:t>Разработка библиотеки для реализации анимации представлений в рамках модели MVC</a:t>
-            </a:r>
-            <a:r>
-              <a:rPr lang="en-GB" dirty="0"/>
-              <a:t> </a:t>
+              <a:t>Первичные электрические сигналы и их </a:t>
+            </a:r>
+            <a:r>
+              <a:rPr lang="ru-RU" cap="all" dirty="0" smtClean="0"/>
+              <a:t>характеристики</a:t>
             </a:r>
             <a:endParaRPr lang="en-US" dirty="0"/>
+          </a:p>
+        </p:txBody>
+      </p:sp>
+      <p:sp>
+        <p:nvSpPr>
+          <p:cNvPr id="5" name="TextBox 4"/>
+          <p:cNvSpPr txBox="1"/>
+          <p:nvPr/>
+        </p:nvSpPr>
+        <p:spPr>
+          <a:xfrm>
+            <a:off x="1393485" y="2491770"/>
+            <a:ext cx="5809121" cy="1569660"/>
+          </a:xfrm>
+          <a:prstGeom prst="rect">
+            <a:avLst/>
+          </a:prstGeom>
+          <a:noFill/>
+        </p:spPr>
+        <p:txBody>
+          <a:bodyPr wrap="square" rtlCol="0">
+            <a:spAutoFit/>
+          </a:bodyPr>
+          <a:lstStyle/>
+          <a:p>
+            <a:pPr marL="457200" indent="-457200">
+              <a:buFont typeface="+mj-lt"/>
+              <a:buAutoNum type="arabicPeriod"/>
+            </a:pPr>
+            <a:r>
+              <a:rPr lang="ru-RU" sz="2400" dirty="0">
+                <a:cs typeface="Times New Roman" panose="02020603050405020304" pitchFamily="18" charset="0"/>
+              </a:rPr>
+              <a:t>Непрерывные или аналоговые</a:t>
+            </a:r>
+          </a:p>
+          <a:p>
+            <a:pPr marL="457200" indent="-457200">
+              <a:buFont typeface="+mj-lt"/>
+              <a:buAutoNum type="arabicPeriod"/>
+            </a:pPr>
+            <a:r>
+              <a:rPr lang="ru-RU" sz="2400" dirty="0">
+                <a:cs typeface="Times New Roman" panose="02020603050405020304" pitchFamily="18" charset="0"/>
+              </a:rPr>
+              <a:t>Дискретные</a:t>
+            </a:r>
+          </a:p>
+          <a:p>
+            <a:pPr marL="457200" indent="-457200">
+              <a:buFont typeface="+mj-lt"/>
+              <a:buAutoNum type="arabicPeriod"/>
+            </a:pPr>
+            <a:r>
+              <a:rPr lang="ru-RU" sz="2400" dirty="0">
+                <a:cs typeface="Times New Roman" panose="02020603050405020304" pitchFamily="18" charset="0"/>
+              </a:rPr>
+              <a:t>Цифровые</a:t>
+            </a:r>
+            <a:endParaRPr lang="ru-RU" sz="2400" dirty="0">
+              <a:cs typeface="Times New Roman" panose="02020603050405020304" pitchFamily="18" charset="0"/>
+            </a:endParaRPr>
+          </a:p>
+          <a:p>
+            <a:pPr indent="363538"/>
+            <a:endParaRPr lang="ru-RU" sz="2400" dirty="0">
+              <a:cs typeface="Times New Roman" panose="02020603050405020304" pitchFamily="18" charset="0"/>
+            </a:endParaRPr>
           </a:p>
         </p:txBody>
       </p:sp>
@@ -5336,8 +5390,8 @@
         </p:nvSpPr>
         <p:spPr>
           <a:xfrm>
-            <a:off x="2438514" y="2163105"/>
-            <a:ext cx="4266973" cy="2531791"/>
+            <a:off x="1393485" y="1462005"/>
+            <a:ext cx="6661830" cy="720000"/>
           </a:xfrm>
           <a:prstGeom prst="rect">
             <a:avLst/>
@@ -5369,6 +5423,987 @@
           <a:p>
             <a:pPr algn="ctr"/>
             <a:r>
+              <a:rPr lang="ru-RU" sz="3600" dirty="0" smtClean="0">
+                <a:solidFill>
+                  <a:srgbClr val="0230AC"/>
+                </a:solidFill>
+              </a:rPr>
+              <a:t>Классификация по виду сигналов</a:t>
+            </a:r>
+            <a:endParaRPr lang="en-US" sz="3600" dirty="0">
+              <a:solidFill>
+                <a:srgbClr val="0230AC"/>
+              </a:solidFill>
+            </a:endParaRPr>
+          </a:p>
+        </p:txBody>
+      </p:sp>
+      <p:sp>
+        <p:nvSpPr>
+          <p:cNvPr id="3" name="TextBox 2"/>
+          <p:cNvSpPr txBox="1"/>
+          <p:nvPr/>
+        </p:nvSpPr>
+        <p:spPr>
+          <a:xfrm>
+            <a:off x="36401" y="6488668"/>
+            <a:ext cx="417102" cy="369332"/>
+          </a:xfrm>
+          <a:prstGeom prst="rect">
+            <a:avLst/>
+          </a:prstGeom>
+          <a:noFill/>
+        </p:spPr>
+        <p:txBody>
+          <a:bodyPr wrap="none" rtlCol="0">
+            <a:spAutoFit/>
+          </a:bodyPr>
+          <a:lstStyle/>
+          <a:p>
+            <a:r>
+              <a:rPr lang="en-US" dirty="0" smtClean="0"/>
+              <a:t>#</a:t>
+            </a:r>
+            <a:r>
+              <a:rPr lang="ru-RU" dirty="0" smtClean="0"/>
+              <a:t>2</a:t>
+            </a:r>
+            <a:endParaRPr lang="ru-RU" dirty="0"/>
+          </a:p>
+        </p:txBody>
+      </p:sp>
+    </p:spTree>
+    <p:extLst>
+      <p:ext uri="{BB962C8B-B14F-4D97-AF65-F5344CB8AC3E}">
+        <p14:creationId xmlns:p14="http://schemas.microsoft.com/office/powerpoint/2010/main" val="2130599346"/>
+      </p:ext>
+    </p:extLst>
+  </p:cSld>
+  <p:clrMapOvr>
+    <a:masterClrMapping/>
+  </p:clrMapOvr>
+  <p:timing>
+    <p:tnLst>
+      <p:par>
+        <p:cTn id="1" dur="indefinite" restart="never" nodeType="tmRoot"/>
+      </p:par>
+    </p:tnLst>
+  </p:timing>
+</p:sld>
+</file>
+
+<file path=ppt/slides/slide4.xml><?xml version="1.0" encoding="utf-8"?>
+<p:sld xmlns:a="http://schemas.openxmlformats.org/drawingml/2006/main" xmlns:r="http://schemas.openxmlformats.org/officeDocument/2006/relationships" xmlns:p="http://schemas.openxmlformats.org/presentationml/2006/main">
+  <p:cSld>
+    <p:spTree>
+      <p:nvGrpSpPr>
+        <p:cNvPr id="1" name=""/>
+        <p:cNvGrpSpPr/>
+        <p:nvPr/>
+      </p:nvGrpSpPr>
+      <p:grpSpPr>
+        <a:xfrm>
+          <a:off x="0" y="0"/>
+          <a:ext cx="0" cy="0"/>
+          <a:chOff x="0" y="0"/>
+          <a:chExt cx="0" cy="0"/>
+        </a:xfrm>
+      </p:grpSpPr>
+      <p:sp>
+        <p:nvSpPr>
+          <p:cNvPr id="4" name="Footer Placeholder 3"/>
+          <p:cNvSpPr>
+            <a:spLocks noGrp="1"/>
+          </p:cNvSpPr>
+          <p:nvPr>
+            <p:ph type="ftr" sz="quarter" idx="3"/>
+          </p:nvPr>
+        </p:nvSpPr>
+        <p:spPr/>
+        <p:txBody>
+          <a:bodyPr/>
+          <a:lstStyle/>
+          <a:p>
+            <a:r>
+              <a:rPr lang="ru-RU" cap="all" dirty="0"/>
+              <a:t>Первичные электрические сигналы и их </a:t>
+            </a:r>
+            <a:r>
+              <a:rPr lang="ru-RU" cap="all" dirty="0" smtClean="0"/>
+              <a:t>характеристики</a:t>
+            </a:r>
+            <a:endParaRPr lang="en-US" dirty="0"/>
+          </a:p>
+        </p:txBody>
+      </p:sp>
+      <p:sp>
+        <p:nvSpPr>
+          <p:cNvPr id="5" name="TextBox 4"/>
+          <p:cNvSpPr txBox="1"/>
+          <p:nvPr/>
+        </p:nvSpPr>
+        <p:spPr>
+          <a:xfrm>
+            <a:off x="2299741" y="2496812"/>
+            <a:ext cx="4849318" cy="2308324"/>
+          </a:xfrm>
+          <a:prstGeom prst="rect">
+            <a:avLst/>
+          </a:prstGeom>
+          <a:noFill/>
+        </p:spPr>
+        <p:txBody>
+          <a:bodyPr wrap="square" rtlCol="0">
+            <a:spAutoFit/>
+          </a:bodyPr>
+          <a:lstStyle/>
+          <a:p>
+            <a:pPr marL="457200" indent="-457200">
+              <a:buFont typeface="+mj-lt"/>
+              <a:buAutoNum type="arabicPeriod"/>
+            </a:pPr>
+            <a:r>
+              <a:rPr lang="ru-RU" sz="2400" dirty="0" smtClean="0">
+                <a:cs typeface="Times New Roman" panose="02020603050405020304" pitchFamily="18" charset="0"/>
+              </a:rPr>
+              <a:t>Длительность</a:t>
+            </a:r>
+          </a:p>
+          <a:p>
+            <a:pPr marL="457200" indent="-457200">
+              <a:buFont typeface="+mj-lt"/>
+              <a:buAutoNum type="arabicPeriod"/>
+            </a:pPr>
+            <a:r>
+              <a:rPr lang="ru-RU" sz="2400" dirty="0">
+                <a:cs typeface="Times New Roman" panose="02020603050405020304" pitchFamily="18" charset="0"/>
+              </a:rPr>
+              <a:t>Спектр сигнала</a:t>
+            </a:r>
+          </a:p>
+          <a:p>
+            <a:pPr marL="457200" indent="-457200">
+              <a:buFont typeface="+mj-lt"/>
+              <a:buAutoNum type="arabicPeriod"/>
+            </a:pPr>
+            <a:r>
+              <a:rPr lang="ru-RU" sz="2400" dirty="0">
+                <a:cs typeface="Times New Roman" panose="02020603050405020304" pitchFamily="18" charset="0"/>
+              </a:rPr>
+              <a:t>Спектральная диаграмма</a:t>
+            </a:r>
+          </a:p>
+          <a:p>
+            <a:pPr marL="457200" indent="-457200">
+              <a:buFont typeface="+mj-lt"/>
+              <a:buAutoNum type="arabicPeriod"/>
+            </a:pPr>
+            <a:endParaRPr lang="ru-RU" sz="2400" dirty="0" smtClean="0">
+              <a:solidFill>
+                <a:schemeClr val="bg1">
+                  <a:lumMod val="75000"/>
+                </a:schemeClr>
+              </a:solidFill>
+              <a:cs typeface="Times New Roman" panose="02020603050405020304" pitchFamily="18" charset="0"/>
+            </a:endParaRPr>
+          </a:p>
+          <a:p>
+            <a:pPr marL="457200" indent="-457200">
+              <a:buFont typeface="+mj-lt"/>
+              <a:buAutoNum type="arabicPeriod"/>
+            </a:pPr>
+            <a:endParaRPr lang="ru-RU" sz="2400" dirty="0">
+              <a:solidFill>
+                <a:schemeClr val="bg1">
+                  <a:lumMod val="75000"/>
+                </a:schemeClr>
+              </a:solidFill>
+              <a:cs typeface="Times New Roman" panose="02020603050405020304" pitchFamily="18" charset="0"/>
+            </a:endParaRPr>
+          </a:p>
+          <a:p>
+            <a:pPr indent="363538"/>
+            <a:endParaRPr lang="ru-RU" sz="2400" dirty="0">
+              <a:cs typeface="Times New Roman" panose="02020603050405020304" pitchFamily="18" charset="0"/>
+            </a:endParaRPr>
+          </a:p>
+        </p:txBody>
+      </p:sp>
+      <p:sp>
+        <p:nvSpPr>
+          <p:cNvPr id="2" name="AutoShape 2" descr="Картинки по запросу тестирование"/>
+          <p:cNvSpPr>
+            <a:spLocks noChangeAspect="1" noChangeArrowheads="1"/>
+          </p:cNvSpPr>
+          <p:nvPr/>
+        </p:nvSpPr>
+        <p:spPr bwMode="auto">
+          <a:xfrm>
+            <a:off x="4419600" y="3276600"/>
+            <a:ext cx="304800" cy="304800"/>
+          </a:xfrm>
+          <a:prstGeom prst="rect">
+            <a:avLst/>
+          </a:prstGeom>
+          <a:noFill/>
+          <a:extLst>
+            <a:ext uri="{909E8E84-426E-40DD-AFC4-6F175D3DCCD1}">
+              <a14:hiddenFill xmlns:a14="http://schemas.microsoft.com/office/drawing/2010/main">
+                <a:solidFill>
+                  <a:srgbClr val="FFFFFF"/>
+                </a:solidFill>
+              </a14:hiddenFill>
+            </a:ext>
+          </a:extLst>
+        </p:spPr>
+        <p:txBody>
+          <a:bodyPr vert="horz" wrap="square" lIns="91440" tIns="45720" rIns="91440" bIns="45720" numCol="1" anchor="t" anchorCtr="0" compatLnSpc="1">
+            <a:prstTxWarp prst="textNoShape">
+              <a:avLst/>
+            </a:prstTxWarp>
+          </a:bodyPr>
+          <a:lstStyle/>
+          <a:p>
+            <a:endParaRPr lang="en-US"/>
+          </a:p>
+        </p:txBody>
+      </p:sp>
+      <p:sp>
+        <p:nvSpPr>
+          <p:cNvPr id="6" name="Заголовок 1"/>
+          <p:cNvSpPr txBox="1">
+            <a:spLocks/>
+          </p:cNvSpPr>
+          <p:nvPr/>
+        </p:nvSpPr>
+        <p:spPr>
+          <a:xfrm>
+            <a:off x="1393485" y="1462005"/>
+            <a:ext cx="6661830" cy="720000"/>
+          </a:xfrm>
+          <a:prstGeom prst="rect">
+            <a:avLst/>
+          </a:prstGeom>
+        </p:spPr>
+        <p:txBody>
+          <a:bodyPr vert="horz" lIns="91440" tIns="45720" rIns="91440" bIns="45720" rtlCol="0" anchor="ctr">
+            <a:normAutofit/>
+          </a:bodyPr>
+          <a:lstStyle>
+            <a:lvl1pPr algn="l" defTabSz="914400" rtl="0" eaLnBrk="1" latinLnBrk="0" hangingPunct="1">
+              <a:lnSpc>
+                <a:spcPct val="90000"/>
+              </a:lnSpc>
+              <a:spcBef>
+                <a:spcPct val="0"/>
+              </a:spcBef>
+              <a:buNone/>
+              <a:defRPr sz="4400" kern="1200">
+                <a:solidFill>
+                  <a:schemeClr val="tx1"/>
+                </a:solidFill>
+                <a:latin typeface="+mj-lt"/>
+                <a:ea typeface="+mj-ea"/>
+                <a:cs typeface="+mj-cs"/>
+              </a:defRPr>
+            </a:lvl1pPr>
+          </a:lstStyle>
+          <a:p>
+            <a:pPr algn="ctr"/>
+            <a:r>
+              <a:rPr lang="ru-RU" sz="3600" dirty="0" smtClean="0">
+                <a:solidFill>
+                  <a:srgbClr val="0230AC"/>
+                </a:solidFill>
+              </a:rPr>
+              <a:t>Основные параметры</a:t>
+            </a:r>
+            <a:endParaRPr lang="en-US" sz="3600" dirty="0">
+              <a:solidFill>
+                <a:srgbClr val="0230AC"/>
+              </a:solidFill>
+            </a:endParaRPr>
+          </a:p>
+        </p:txBody>
+      </p:sp>
+      <p:sp>
+        <p:nvSpPr>
+          <p:cNvPr id="3" name="TextBox 2"/>
+          <p:cNvSpPr txBox="1"/>
+          <p:nvPr/>
+        </p:nvSpPr>
+        <p:spPr>
+          <a:xfrm>
+            <a:off x="36401" y="6488668"/>
+            <a:ext cx="417102" cy="369332"/>
+          </a:xfrm>
+          <a:prstGeom prst="rect">
+            <a:avLst/>
+          </a:prstGeom>
+          <a:noFill/>
+        </p:spPr>
+        <p:txBody>
+          <a:bodyPr wrap="none" rtlCol="0">
+            <a:spAutoFit/>
+          </a:bodyPr>
+          <a:lstStyle/>
+          <a:p>
+            <a:r>
+              <a:rPr lang="en-US" dirty="0" smtClean="0"/>
+              <a:t>#</a:t>
+            </a:r>
+            <a:r>
+              <a:rPr lang="ru-RU" dirty="0" smtClean="0"/>
+              <a:t>3</a:t>
+            </a:r>
+            <a:endParaRPr lang="ru-RU" dirty="0"/>
+          </a:p>
+        </p:txBody>
+      </p:sp>
+    </p:spTree>
+    <p:extLst>
+      <p:ext uri="{BB962C8B-B14F-4D97-AF65-F5344CB8AC3E}">
+        <p14:creationId xmlns:p14="http://schemas.microsoft.com/office/powerpoint/2010/main" val="1840878144"/>
+      </p:ext>
+    </p:extLst>
+  </p:cSld>
+  <p:clrMapOvr>
+    <a:masterClrMapping/>
+  </p:clrMapOvr>
+  <p:timing>
+    <p:tnLst>
+      <p:par>
+        <p:cTn id="1" dur="indefinite" restart="never" nodeType="tmRoot"/>
+      </p:par>
+    </p:tnLst>
+  </p:timing>
+</p:sld>
+</file>
+
+<file path=ppt/slides/slide5.xml><?xml version="1.0" encoding="utf-8"?>
+<p:sld xmlns:a="http://schemas.openxmlformats.org/drawingml/2006/main" xmlns:r="http://schemas.openxmlformats.org/officeDocument/2006/relationships" xmlns:p="http://schemas.openxmlformats.org/presentationml/2006/main">
+  <p:cSld>
+    <p:spTree>
+      <p:nvGrpSpPr>
+        <p:cNvPr id="1" name=""/>
+        <p:cNvGrpSpPr/>
+        <p:nvPr/>
+      </p:nvGrpSpPr>
+      <p:grpSpPr>
+        <a:xfrm>
+          <a:off x="0" y="0"/>
+          <a:ext cx="0" cy="0"/>
+          <a:chOff x="0" y="0"/>
+          <a:chExt cx="0" cy="0"/>
+        </a:xfrm>
+      </p:grpSpPr>
+      <p:sp>
+        <p:nvSpPr>
+          <p:cNvPr id="4" name="Footer Placeholder 3"/>
+          <p:cNvSpPr>
+            <a:spLocks noGrp="1"/>
+          </p:cNvSpPr>
+          <p:nvPr>
+            <p:ph type="ftr" sz="quarter" idx="3"/>
+          </p:nvPr>
+        </p:nvSpPr>
+        <p:spPr/>
+        <p:txBody>
+          <a:bodyPr/>
+          <a:lstStyle/>
+          <a:p>
+            <a:r>
+              <a:rPr lang="ru-RU" cap="all" dirty="0"/>
+              <a:t>Первичные электрические сигналы и их </a:t>
+            </a:r>
+            <a:r>
+              <a:rPr lang="ru-RU" cap="all" dirty="0" smtClean="0"/>
+              <a:t>характеристики</a:t>
+            </a:r>
+            <a:endParaRPr lang="en-US" dirty="0"/>
+          </a:p>
+        </p:txBody>
+      </p:sp>
+      <p:sp>
+        <p:nvSpPr>
+          <p:cNvPr id="2" name="AutoShape 2" descr="Картинки по запросу тестирование"/>
+          <p:cNvSpPr>
+            <a:spLocks noChangeAspect="1" noChangeArrowheads="1"/>
+          </p:cNvSpPr>
+          <p:nvPr/>
+        </p:nvSpPr>
+        <p:spPr bwMode="auto">
+          <a:xfrm>
+            <a:off x="4419600" y="3276600"/>
+            <a:ext cx="304800" cy="304800"/>
+          </a:xfrm>
+          <a:prstGeom prst="rect">
+            <a:avLst/>
+          </a:prstGeom>
+          <a:noFill/>
+          <a:extLst>
+            <a:ext uri="{909E8E84-426E-40DD-AFC4-6F175D3DCCD1}">
+              <a14:hiddenFill xmlns:a14="http://schemas.microsoft.com/office/drawing/2010/main">
+                <a:solidFill>
+                  <a:srgbClr val="FFFFFF"/>
+                </a:solidFill>
+              </a14:hiddenFill>
+            </a:ext>
+          </a:extLst>
+        </p:spPr>
+        <p:txBody>
+          <a:bodyPr vert="horz" wrap="square" lIns="91440" tIns="45720" rIns="91440" bIns="45720" numCol="1" anchor="t" anchorCtr="0" compatLnSpc="1">
+            <a:prstTxWarp prst="textNoShape">
+              <a:avLst/>
+            </a:prstTxWarp>
+          </a:bodyPr>
+          <a:lstStyle/>
+          <a:p>
+            <a:endParaRPr lang="en-US"/>
+          </a:p>
+        </p:txBody>
+      </p:sp>
+      <p:sp>
+        <p:nvSpPr>
+          <p:cNvPr id="6" name="Заголовок 1"/>
+          <p:cNvSpPr txBox="1">
+            <a:spLocks/>
+          </p:cNvSpPr>
+          <p:nvPr/>
+        </p:nvSpPr>
+        <p:spPr>
+          <a:xfrm>
+            <a:off x="6185377" y="1759702"/>
+            <a:ext cx="2958623" cy="3033795"/>
+          </a:xfrm>
+          <a:prstGeom prst="rect">
+            <a:avLst/>
+          </a:prstGeom>
+        </p:spPr>
+        <p:txBody>
+          <a:bodyPr vert="horz" lIns="91440" tIns="45720" rIns="91440" bIns="45720" rtlCol="0" anchor="ctr">
+            <a:normAutofit/>
+          </a:bodyPr>
+          <a:lstStyle>
+            <a:lvl1pPr algn="l" defTabSz="914400" rtl="0" eaLnBrk="1" latinLnBrk="0" hangingPunct="1">
+              <a:lnSpc>
+                <a:spcPct val="90000"/>
+              </a:lnSpc>
+              <a:spcBef>
+                <a:spcPct val="0"/>
+              </a:spcBef>
+              <a:buNone/>
+              <a:defRPr sz="4400" kern="1200">
+                <a:solidFill>
+                  <a:schemeClr val="tx1"/>
+                </a:solidFill>
+                <a:latin typeface="+mj-lt"/>
+                <a:ea typeface="+mj-ea"/>
+                <a:cs typeface="+mj-cs"/>
+              </a:defRPr>
+            </a:lvl1pPr>
+          </a:lstStyle>
+          <a:p>
+            <a:pPr algn="ctr"/>
+            <a:r>
+              <a:rPr lang="ru-RU" sz="3600" dirty="0" smtClean="0">
+                <a:solidFill>
+                  <a:srgbClr val="0230AC"/>
+                </a:solidFill>
+              </a:rPr>
+              <a:t>Временные и спектральные диаграммы</a:t>
+            </a:r>
+            <a:endParaRPr lang="en-US" sz="3600" dirty="0">
+              <a:solidFill>
+                <a:srgbClr val="0230AC"/>
+              </a:solidFill>
+            </a:endParaRPr>
+          </a:p>
+        </p:txBody>
+      </p:sp>
+      <p:sp>
+        <p:nvSpPr>
+          <p:cNvPr id="3" name="TextBox 2"/>
+          <p:cNvSpPr txBox="1"/>
+          <p:nvPr/>
+        </p:nvSpPr>
+        <p:spPr>
+          <a:xfrm>
+            <a:off x="36401" y="6488668"/>
+            <a:ext cx="417102" cy="369332"/>
+          </a:xfrm>
+          <a:prstGeom prst="rect">
+            <a:avLst/>
+          </a:prstGeom>
+          <a:noFill/>
+        </p:spPr>
+        <p:txBody>
+          <a:bodyPr wrap="none" rtlCol="0">
+            <a:spAutoFit/>
+          </a:bodyPr>
+          <a:lstStyle/>
+          <a:p>
+            <a:r>
+              <a:rPr lang="en-US" dirty="0" smtClean="0"/>
+              <a:t>#</a:t>
+            </a:r>
+            <a:r>
+              <a:rPr lang="ru-RU" dirty="0"/>
+              <a:t>4</a:t>
+            </a:r>
+            <a:endParaRPr lang="ru-RU" dirty="0"/>
+          </a:p>
+        </p:txBody>
+      </p:sp>
+      <p:pic>
+        <p:nvPicPr>
+          <p:cNvPr id="7" name="Picture 6"/>
+          <p:cNvPicPr/>
+          <p:nvPr/>
+        </p:nvPicPr>
+        <p:blipFill>
+          <a:blip r:embed="rId2">
+            <a:extLst>
+              <a:ext uri="{28A0092B-C50C-407E-A947-70E740481C1C}">
+                <a14:useLocalDpi xmlns:a14="http://schemas.microsoft.com/office/drawing/2010/main" val="0"/>
+              </a:ext>
+            </a:extLst>
+          </a:blip>
+          <a:stretch>
+            <a:fillRect/>
+          </a:stretch>
+        </p:blipFill>
+        <p:spPr>
+          <a:xfrm>
+            <a:off x="244952" y="1160462"/>
+            <a:ext cx="5940425" cy="4841875"/>
+          </a:xfrm>
+          <a:prstGeom prst="rect">
+            <a:avLst/>
+          </a:prstGeom>
+        </p:spPr>
+      </p:pic>
+    </p:spTree>
+    <p:extLst>
+      <p:ext uri="{BB962C8B-B14F-4D97-AF65-F5344CB8AC3E}">
+        <p14:creationId xmlns:p14="http://schemas.microsoft.com/office/powerpoint/2010/main" val="842063879"/>
+      </p:ext>
+    </p:extLst>
+  </p:cSld>
+  <p:clrMapOvr>
+    <a:masterClrMapping/>
+  </p:clrMapOvr>
+  <p:timing>
+    <p:tnLst>
+      <p:par>
+        <p:cTn id="1" dur="indefinite" restart="never" nodeType="tmRoot"/>
+      </p:par>
+    </p:tnLst>
+  </p:timing>
+</p:sld>
+</file>
+
+<file path=ppt/slides/slide6.xml><?xml version="1.0" encoding="utf-8"?>
+<p:sld xmlns:a="http://schemas.openxmlformats.org/drawingml/2006/main" xmlns:r="http://schemas.openxmlformats.org/officeDocument/2006/relationships" xmlns:p="http://schemas.openxmlformats.org/presentationml/2006/main">
+  <p:cSld>
+    <p:spTree>
+      <p:nvGrpSpPr>
+        <p:cNvPr id="1" name=""/>
+        <p:cNvGrpSpPr/>
+        <p:nvPr/>
+      </p:nvGrpSpPr>
+      <p:grpSpPr>
+        <a:xfrm>
+          <a:off x="0" y="0"/>
+          <a:ext cx="0" cy="0"/>
+          <a:chOff x="0" y="0"/>
+          <a:chExt cx="0" cy="0"/>
+        </a:xfrm>
+      </p:grpSpPr>
+      <p:sp>
+        <p:nvSpPr>
+          <p:cNvPr id="4" name="Footer Placeholder 3"/>
+          <p:cNvSpPr>
+            <a:spLocks noGrp="1"/>
+          </p:cNvSpPr>
+          <p:nvPr>
+            <p:ph type="ftr" sz="quarter" idx="3"/>
+          </p:nvPr>
+        </p:nvSpPr>
+        <p:spPr/>
+        <p:txBody>
+          <a:bodyPr/>
+          <a:lstStyle/>
+          <a:p>
+            <a:r>
+              <a:rPr lang="ru-RU" cap="all" dirty="0"/>
+              <a:t>Первичные электрические сигналы и их </a:t>
+            </a:r>
+            <a:r>
+              <a:rPr lang="ru-RU" cap="all" dirty="0" smtClean="0"/>
+              <a:t>характеристики</a:t>
+            </a:r>
+            <a:endParaRPr lang="en-US" dirty="0"/>
+          </a:p>
+        </p:txBody>
+      </p:sp>
+      <p:sp>
+        <p:nvSpPr>
+          <p:cNvPr id="5" name="TextBox 4"/>
+          <p:cNvSpPr txBox="1"/>
+          <p:nvPr/>
+        </p:nvSpPr>
+        <p:spPr>
+          <a:xfrm>
+            <a:off x="1393485" y="2307104"/>
+            <a:ext cx="5809121" cy="1938992"/>
+          </a:xfrm>
+          <a:prstGeom prst="rect">
+            <a:avLst/>
+          </a:prstGeom>
+          <a:noFill/>
+        </p:spPr>
+        <p:txBody>
+          <a:bodyPr wrap="square" rtlCol="0">
+            <a:spAutoFit/>
+          </a:bodyPr>
+          <a:lstStyle/>
+          <a:p>
+            <a:pPr marL="457200" indent="-457200">
+              <a:buFont typeface="+mj-lt"/>
+              <a:buAutoNum type="arabicPeriod"/>
+            </a:pPr>
+            <a:r>
+              <a:rPr lang="ru-RU" sz="2400" dirty="0">
+                <a:cs typeface="Times New Roman" panose="02020603050405020304" pitchFamily="18" charset="0"/>
+              </a:rPr>
+              <a:t>Мощности </a:t>
+            </a:r>
+            <a:r>
+              <a:rPr lang="mr-IN" sz="2400" dirty="0">
+                <a:cs typeface="Times New Roman" panose="02020603050405020304" pitchFamily="18" charset="0"/>
+              </a:rPr>
+              <a:t>–</a:t>
+            </a:r>
+            <a:r>
+              <a:rPr lang="ru-RU" sz="2400" dirty="0">
+                <a:cs typeface="Times New Roman" panose="02020603050405020304" pitchFamily="18" charset="0"/>
+              </a:rPr>
+              <a:t> минимальная, средняя, максимальная</a:t>
+            </a:r>
+          </a:p>
+          <a:p>
+            <a:pPr marL="457200" indent="-457200">
+              <a:buFont typeface="+mj-lt"/>
+              <a:buAutoNum type="arabicPeriod"/>
+            </a:pPr>
+            <a:r>
+              <a:rPr lang="ru-RU" sz="2400" dirty="0">
+                <a:cs typeface="Times New Roman" panose="02020603050405020304" pitchFamily="18" charset="0"/>
+              </a:rPr>
+              <a:t>Динамический диапазон</a:t>
+            </a:r>
+          </a:p>
+          <a:p>
+            <a:pPr marL="457200" indent="-457200">
+              <a:buFont typeface="+mj-lt"/>
+              <a:buAutoNum type="arabicPeriod"/>
+            </a:pPr>
+            <a:r>
+              <a:rPr lang="ru-RU" sz="2400" dirty="0">
+                <a:cs typeface="Times New Roman" panose="02020603050405020304" pitchFamily="18" charset="0"/>
+              </a:rPr>
+              <a:t>Защищенность</a:t>
+            </a:r>
+            <a:endParaRPr lang="ru-RU" sz="2400" dirty="0">
+              <a:cs typeface="Times New Roman" panose="02020603050405020304" pitchFamily="18" charset="0"/>
+            </a:endParaRPr>
+          </a:p>
+          <a:p>
+            <a:pPr indent="363538"/>
+            <a:endParaRPr lang="ru-RU" sz="2400" dirty="0">
+              <a:cs typeface="Times New Roman" panose="02020603050405020304" pitchFamily="18" charset="0"/>
+            </a:endParaRPr>
+          </a:p>
+        </p:txBody>
+      </p:sp>
+      <p:sp>
+        <p:nvSpPr>
+          <p:cNvPr id="2" name="AutoShape 2" descr="Картинки по запросу тестирование"/>
+          <p:cNvSpPr>
+            <a:spLocks noChangeAspect="1" noChangeArrowheads="1"/>
+          </p:cNvSpPr>
+          <p:nvPr/>
+        </p:nvSpPr>
+        <p:spPr bwMode="auto">
+          <a:xfrm>
+            <a:off x="4419600" y="3276600"/>
+            <a:ext cx="304800" cy="304800"/>
+          </a:xfrm>
+          <a:prstGeom prst="rect">
+            <a:avLst/>
+          </a:prstGeom>
+          <a:noFill/>
+          <a:extLst>
+            <a:ext uri="{909E8E84-426E-40DD-AFC4-6F175D3DCCD1}">
+              <a14:hiddenFill xmlns:a14="http://schemas.microsoft.com/office/drawing/2010/main">
+                <a:solidFill>
+                  <a:srgbClr val="FFFFFF"/>
+                </a:solidFill>
+              </a14:hiddenFill>
+            </a:ext>
+          </a:extLst>
+        </p:spPr>
+        <p:txBody>
+          <a:bodyPr vert="horz" wrap="square" lIns="91440" tIns="45720" rIns="91440" bIns="45720" numCol="1" anchor="t" anchorCtr="0" compatLnSpc="1">
+            <a:prstTxWarp prst="textNoShape">
+              <a:avLst/>
+            </a:prstTxWarp>
+          </a:bodyPr>
+          <a:lstStyle/>
+          <a:p>
+            <a:endParaRPr lang="en-US"/>
+          </a:p>
+        </p:txBody>
+      </p:sp>
+      <p:sp>
+        <p:nvSpPr>
+          <p:cNvPr id="6" name="Заголовок 1"/>
+          <p:cNvSpPr txBox="1">
+            <a:spLocks/>
+          </p:cNvSpPr>
+          <p:nvPr/>
+        </p:nvSpPr>
+        <p:spPr>
+          <a:xfrm>
+            <a:off x="1393485" y="1462005"/>
+            <a:ext cx="6661830" cy="720000"/>
+          </a:xfrm>
+          <a:prstGeom prst="rect">
+            <a:avLst/>
+          </a:prstGeom>
+        </p:spPr>
+        <p:txBody>
+          <a:bodyPr vert="horz" lIns="91440" tIns="45720" rIns="91440" bIns="45720" rtlCol="0" anchor="ctr">
+            <a:normAutofit/>
+          </a:bodyPr>
+          <a:lstStyle>
+            <a:lvl1pPr algn="l" defTabSz="914400" rtl="0" eaLnBrk="1" latinLnBrk="0" hangingPunct="1">
+              <a:lnSpc>
+                <a:spcPct val="90000"/>
+              </a:lnSpc>
+              <a:spcBef>
+                <a:spcPct val="0"/>
+              </a:spcBef>
+              <a:buNone/>
+              <a:defRPr sz="4400" kern="1200">
+                <a:solidFill>
+                  <a:schemeClr val="tx1"/>
+                </a:solidFill>
+                <a:latin typeface="+mj-lt"/>
+                <a:ea typeface="+mj-ea"/>
+                <a:cs typeface="+mj-cs"/>
+              </a:defRPr>
+            </a:lvl1pPr>
+          </a:lstStyle>
+          <a:p>
+            <a:pPr algn="ctr"/>
+            <a:r>
+              <a:rPr lang="ru-RU" sz="3600" dirty="0" smtClean="0">
+                <a:solidFill>
+                  <a:srgbClr val="0230AC"/>
+                </a:solidFill>
+              </a:rPr>
+              <a:t>Еще немного параметров</a:t>
+            </a:r>
+            <a:endParaRPr lang="en-US" sz="3600" dirty="0">
+              <a:solidFill>
+                <a:srgbClr val="0230AC"/>
+              </a:solidFill>
+            </a:endParaRPr>
+          </a:p>
+        </p:txBody>
+      </p:sp>
+      <p:sp>
+        <p:nvSpPr>
+          <p:cNvPr id="3" name="TextBox 2"/>
+          <p:cNvSpPr txBox="1"/>
+          <p:nvPr/>
+        </p:nvSpPr>
+        <p:spPr>
+          <a:xfrm>
+            <a:off x="36401" y="6488668"/>
+            <a:ext cx="417102" cy="369332"/>
+          </a:xfrm>
+          <a:prstGeom prst="rect">
+            <a:avLst/>
+          </a:prstGeom>
+          <a:noFill/>
+        </p:spPr>
+        <p:txBody>
+          <a:bodyPr wrap="none" rtlCol="0">
+            <a:spAutoFit/>
+          </a:bodyPr>
+          <a:lstStyle/>
+          <a:p>
+            <a:r>
+              <a:rPr lang="en-US" dirty="0" smtClean="0"/>
+              <a:t>#</a:t>
+            </a:r>
+            <a:r>
+              <a:rPr lang="ru-RU" dirty="0" smtClean="0"/>
+              <a:t>5</a:t>
+            </a:r>
+            <a:endParaRPr lang="ru-RU" dirty="0"/>
+          </a:p>
+        </p:txBody>
+      </p:sp>
+    </p:spTree>
+    <p:extLst>
+      <p:ext uri="{BB962C8B-B14F-4D97-AF65-F5344CB8AC3E}">
+        <p14:creationId xmlns:p14="http://schemas.microsoft.com/office/powerpoint/2010/main" val="650380623"/>
+      </p:ext>
+    </p:extLst>
+  </p:cSld>
+  <p:clrMapOvr>
+    <a:masterClrMapping/>
+  </p:clrMapOvr>
+  <p:timing>
+    <p:tnLst>
+      <p:par>
+        <p:cTn id="1" dur="indefinite" restart="never" nodeType="tmRoot"/>
+      </p:par>
+    </p:tnLst>
+  </p:timing>
+</p:sld>
+</file>
+
+<file path=ppt/slides/slide7.xml><?xml version="1.0" encoding="utf-8"?>
+<p:sld xmlns:a="http://schemas.openxmlformats.org/drawingml/2006/main" xmlns:r="http://schemas.openxmlformats.org/officeDocument/2006/relationships" xmlns:p="http://schemas.openxmlformats.org/presentationml/2006/main">
+  <p:cSld>
+    <p:spTree>
+      <p:nvGrpSpPr>
+        <p:cNvPr id="1" name=""/>
+        <p:cNvGrpSpPr/>
+        <p:nvPr/>
+      </p:nvGrpSpPr>
+      <p:grpSpPr>
+        <a:xfrm>
+          <a:off x="0" y="0"/>
+          <a:ext cx="0" cy="0"/>
+          <a:chOff x="0" y="0"/>
+          <a:chExt cx="0" cy="0"/>
+        </a:xfrm>
+      </p:grpSpPr>
+      <p:sp>
+        <p:nvSpPr>
+          <p:cNvPr id="4" name="Footer Placeholder 3"/>
+          <p:cNvSpPr>
+            <a:spLocks noGrp="1"/>
+          </p:cNvSpPr>
+          <p:nvPr>
+            <p:ph type="ftr" sz="quarter" idx="3"/>
+          </p:nvPr>
+        </p:nvSpPr>
+        <p:spPr/>
+        <p:txBody>
+          <a:bodyPr/>
+          <a:lstStyle/>
+          <a:p>
+            <a:r>
+              <a:rPr lang="ru-RU" cap="all" dirty="0"/>
+              <a:t>Первичные электрические сигналы и их </a:t>
+            </a:r>
+            <a:r>
+              <a:rPr lang="ru-RU" cap="all" dirty="0" smtClean="0"/>
+              <a:t>характеристики</a:t>
+            </a:r>
+            <a:endParaRPr lang="en-US" dirty="0"/>
+          </a:p>
+        </p:txBody>
+      </p:sp>
+      <p:sp>
+        <p:nvSpPr>
+          <p:cNvPr id="2" name="AutoShape 2" descr="Картинки по запросу тестирование"/>
+          <p:cNvSpPr>
+            <a:spLocks noChangeAspect="1" noChangeArrowheads="1"/>
+          </p:cNvSpPr>
+          <p:nvPr/>
+        </p:nvSpPr>
+        <p:spPr bwMode="auto">
+          <a:xfrm>
+            <a:off x="4419600" y="3276600"/>
+            <a:ext cx="304800" cy="304800"/>
+          </a:xfrm>
+          <a:prstGeom prst="rect">
+            <a:avLst/>
+          </a:prstGeom>
+          <a:noFill/>
+          <a:extLst>
+            <a:ext uri="{909E8E84-426E-40DD-AFC4-6F175D3DCCD1}">
+              <a14:hiddenFill xmlns:a14="http://schemas.microsoft.com/office/drawing/2010/main">
+                <a:solidFill>
+                  <a:srgbClr val="FFFFFF"/>
+                </a:solidFill>
+              </a14:hiddenFill>
+            </a:ext>
+          </a:extLst>
+        </p:spPr>
+        <p:txBody>
+          <a:bodyPr vert="horz" wrap="square" lIns="91440" tIns="45720" rIns="91440" bIns="45720" numCol="1" anchor="t" anchorCtr="0" compatLnSpc="1">
+            <a:prstTxWarp prst="textNoShape">
+              <a:avLst/>
+            </a:prstTxWarp>
+          </a:bodyPr>
+          <a:lstStyle/>
+          <a:p>
+            <a:endParaRPr lang="en-US"/>
+          </a:p>
+        </p:txBody>
+      </p:sp>
+      <p:sp>
+        <p:nvSpPr>
+          <p:cNvPr id="6" name="Заголовок 1"/>
+          <p:cNvSpPr txBox="1">
+            <a:spLocks/>
+          </p:cNvSpPr>
+          <p:nvPr/>
+        </p:nvSpPr>
+        <p:spPr>
+          <a:xfrm>
+            <a:off x="1241085" y="3069000"/>
+            <a:ext cx="6661830" cy="720000"/>
+          </a:xfrm>
+          <a:prstGeom prst="rect">
+            <a:avLst/>
+          </a:prstGeom>
+        </p:spPr>
+        <p:txBody>
+          <a:bodyPr vert="horz" lIns="91440" tIns="45720" rIns="91440" bIns="45720" rtlCol="0" anchor="ctr">
+            <a:normAutofit/>
+          </a:bodyPr>
+          <a:lstStyle>
+            <a:lvl1pPr algn="l" defTabSz="914400" rtl="0" eaLnBrk="1" latinLnBrk="0" hangingPunct="1">
+              <a:lnSpc>
+                <a:spcPct val="90000"/>
+              </a:lnSpc>
+              <a:spcBef>
+                <a:spcPct val="0"/>
+              </a:spcBef>
+              <a:buNone/>
+              <a:defRPr sz="4400" kern="1200">
+                <a:solidFill>
+                  <a:schemeClr val="tx1"/>
+                </a:solidFill>
+                <a:latin typeface="+mj-lt"/>
+                <a:ea typeface="+mj-ea"/>
+                <a:cs typeface="+mj-cs"/>
+              </a:defRPr>
+            </a:lvl1pPr>
+          </a:lstStyle>
+          <a:p>
+            <a:pPr algn="ctr"/>
+            <a:r>
               <a:rPr lang="ru-RU" sz="3600" smtClean="0">
                 <a:solidFill>
                   <a:srgbClr val="0230AC"/>
@@ -5387,7 +6422,7 @@
     </p:spTree>
     <p:extLst>
       <p:ext uri="{BB962C8B-B14F-4D97-AF65-F5344CB8AC3E}">
-        <p14:creationId xmlns:p14="http://schemas.microsoft.com/office/powerpoint/2010/main" val="913163286"/>
+        <p14:creationId xmlns:p14="http://schemas.microsoft.com/office/powerpoint/2010/main" val="410859659"/>
       </p:ext>
     </p:extLst>
   </p:cSld>
